--- a/Code_Audit/Präsentation_EIS1617Gaeb05.pptx
+++ b/Code_Audit/Präsentation_EIS1617Gaeb05.pptx
@@ -5,7 +5,7 @@
     <p:sldMasterId id="2147483648" r:id="rId1"/>
   </p:sldMasterIdLst>
   <p:notesMasterIdLst>
-    <p:notesMasterId r:id="rId11"/>
+    <p:notesMasterId r:id="rId12"/>
   </p:notesMasterIdLst>
   <p:sldIdLst>
     <p:sldId id="256" r:id="rId2"/>
@@ -16,7 +16,8 @@
     <p:sldId id="261" r:id="rId7"/>
     <p:sldId id="263" r:id="rId8"/>
     <p:sldId id="265" r:id="rId9"/>
-    <p:sldId id="264" r:id="rId10"/>
+    <p:sldId id="266" r:id="rId10"/>
+    <p:sldId id="264" r:id="rId11"/>
   </p:sldIdLst>
   <p:sldSz cx="12192000" cy="6858000"/>
   <p:notesSz cx="6858000" cy="9144000"/>
@@ -115,6 +116,11 @@
       </a:defRPr>
     </a:lvl9pPr>
   </p:defaultTextStyle>
+  <p:extLst>
+    <p:ext uri="{EFAFB233-063F-42B5-8137-9DF3F51BA10A}">
+      <p15:sldGuideLst xmlns:p15="http://schemas.microsoft.com/office/powerpoint/2012/main"/>
+    </p:ext>
+  </p:extLst>
 </p:presentation>
 </file>
 
@@ -200,7 +206,7 @@
           <a:p>
             <a:fld id="{5BAA72A1-380A-704E-91E0-5038B6B3A179}" type="datetimeFigureOut">
               <a:rPr lang="de-DE" smtClean="0"/>
-              <a:t>09.12.16</a:t>
+              <a:t>12.12.16</a:t>
             </a:fld>
             <a:endParaRPr lang="de-DE"/>
           </a:p>
@@ -789,7 +795,7 @@
           <a:p>
             <a:fld id="{26AF3978-1D11-994A-9F4D-B66C8EF15D03}" type="slidenum">
               <a:rPr lang="de-DE" smtClean="0"/>
-              <a:t>9</a:t>
+              <a:t>10</a:t>
             </a:fld>
             <a:endParaRPr lang="de-DE"/>
           </a:p>
@@ -939,7 +945,7 @@
           <a:p>
             <a:fld id="{E7D3C227-F0DF-FD47-90A2-E8A2FB5FBB5D}" type="datetimeFigureOut">
               <a:rPr lang="de-DE" smtClean="0"/>
-              <a:t>09.12.16</a:t>
+              <a:t>12.12.16</a:t>
             </a:fld>
             <a:endParaRPr lang="de-DE"/>
           </a:p>
@@ -1116,7 +1122,7 @@
           <a:p>
             <a:fld id="{E7D3C227-F0DF-FD47-90A2-E8A2FB5FBB5D}" type="datetimeFigureOut">
               <a:rPr lang="de-DE" smtClean="0"/>
-              <a:t>09.12.16</a:t>
+              <a:t>12.12.16</a:t>
             </a:fld>
             <a:endParaRPr lang="de-DE"/>
           </a:p>
@@ -1296,7 +1302,7 @@
           <a:p>
             <a:fld id="{E7D3C227-F0DF-FD47-90A2-E8A2FB5FBB5D}" type="datetimeFigureOut">
               <a:rPr lang="de-DE" smtClean="0"/>
-              <a:t>09.12.16</a:t>
+              <a:t>12.12.16</a:t>
             </a:fld>
             <a:endParaRPr lang="de-DE"/>
           </a:p>
@@ -1473,7 +1479,7 @@
           <a:p>
             <a:fld id="{E7D3C227-F0DF-FD47-90A2-E8A2FB5FBB5D}" type="datetimeFigureOut">
               <a:rPr lang="de-DE" smtClean="0"/>
-              <a:t>09.12.16</a:t>
+              <a:t>12.12.16</a:t>
             </a:fld>
             <a:endParaRPr lang="de-DE"/>
           </a:p>
@@ -1726,7 +1732,7 @@
           <a:p>
             <a:fld id="{E7D3C227-F0DF-FD47-90A2-E8A2FB5FBB5D}" type="datetimeFigureOut">
               <a:rPr lang="de-DE" smtClean="0"/>
-              <a:t>09.12.16</a:t>
+              <a:t>12.12.16</a:t>
             </a:fld>
             <a:endParaRPr lang="de-DE"/>
           </a:p>
@@ -1958,7 +1964,7 @@
           <a:p>
             <a:fld id="{E7D3C227-F0DF-FD47-90A2-E8A2FB5FBB5D}" type="datetimeFigureOut">
               <a:rPr lang="de-DE" smtClean="0"/>
-              <a:t>09.12.16</a:t>
+              <a:t>12.12.16</a:t>
             </a:fld>
             <a:endParaRPr lang="de-DE"/>
           </a:p>
@@ -2325,7 +2331,7 @@
           <a:p>
             <a:fld id="{E7D3C227-F0DF-FD47-90A2-E8A2FB5FBB5D}" type="datetimeFigureOut">
               <a:rPr lang="de-DE" smtClean="0"/>
-              <a:t>09.12.16</a:t>
+              <a:t>12.12.16</a:t>
             </a:fld>
             <a:endParaRPr lang="de-DE"/>
           </a:p>
@@ -2443,7 +2449,7 @@
           <a:p>
             <a:fld id="{E7D3C227-F0DF-FD47-90A2-E8A2FB5FBB5D}" type="datetimeFigureOut">
               <a:rPr lang="de-DE" smtClean="0"/>
-              <a:t>09.12.16</a:t>
+              <a:t>12.12.16</a:t>
             </a:fld>
             <a:endParaRPr lang="de-DE"/>
           </a:p>
@@ -2538,7 +2544,7 @@
           <a:p>
             <a:fld id="{E7D3C227-F0DF-FD47-90A2-E8A2FB5FBB5D}" type="datetimeFigureOut">
               <a:rPr lang="de-DE" smtClean="0"/>
-              <a:t>09.12.16</a:t>
+              <a:t>12.12.16</a:t>
             </a:fld>
             <a:endParaRPr lang="de-DE"/>
           </a:p>
@@ -2815,7 +2821,7 @@
           <a:p>
             <a:fld id="{E7D3C227-F0DF-FD47-90A2-E8A2FB5FBB5D}" type="datetimeFigureOut">
               <a:rPr lang="de-DE" smtClean="0"/>
-              <a:t>09.12.16</a:t>
+              <a:t>12.12.16</a:t>
             </a:fld>
             <a:endParaRPr lang="de-DE"/>
           </a:p>
@@ -3068,7 +3074,7 @@
           <a:p>
             <a:fld id="{E7D3C227-F0DF-FD47-90A2-E8A2FB5FBB5D}" type="datetimeFigureOut">
               <a:rPr lang="de-DE" smtClean="0"/>
-              <a:t>09.12.16</a:t>
+              <a:t>12.12.16</a:t>
             </a:fld>
             <a:endParaRPr lang="de-DE"/>
           </a:p>
@@ -3329,7 +3335,7 @@
           <a:p>
             <a:fld id="{E7D3C227-F0DF-FD47-90A2-E8A2FB5FBB5D}" type="datetimeFigureOut">
               <a:rPr lang="de-DE" smtClean="0"/>
-              <a:t>09.12.16</a:t>
+              <a:t>12.12.16</a:t>
             </a:fld>
             <a:endParaRPr lang="de-DE"/>
           </a:p>
@@ -3983,6 +3989,153 @@
     <p:extLst>
       <p:ext uri="{BB962C8B-B14F-4D97-AF65-F5344CB8AC3E}">
         <p14:creationId xmlns:p14="http://schemas.microsoft.com/office/powerpoint/2010/main" val="733810490"/>
+      </p:ext>
+    </p:extLst>
+  </p:cSld>
+  <p:clrMapOvr>
+    <a:masterClrMapping/>
+  </p:clrMapOvr>
+  <p:timing>
+    <p:tnLst>
+      <p:par>
+        <p:cTn id="1" dur="indefinite" restart="never" nodeType="tmRoot"/>
+      </p:par>
+    </p:tnLst>
+  </p:timing>
+</p:sld>
+</file>
+
+<file path=ppt/slides/slide10.xml><?xml version="1.0" encoding="utf-8"?>
+<p:sld xmlns:a="http://schemas.openxmlformats.org/drawingml/2006/main" xmlns:r="http://schemas.openxmlformats.org/officeDocument/2006/relationships" xmlns:p="http://schemas.openxmlformats.org/presentationml/2006/main">
+  <p:cSld>
+    <p:spTree>
+      <p:nvGrpSpPr>
+        <p:cNvPr id="1" name=""/>
+        <p:cNvGrpSpPr/>
+        <p:nvPr/>
+      </p:nvGrpSpPr>
+      <p:grpSpPr>
+        <a:xfrm>
+          <a:off x="0" y="0"/>
+          <a:ext cx="0" cy="0"/>
+          <a:chOff x="0" y="0"/>
+          <a:chExt cx="0" cy="0"/>
+        </a:xfrm>
+      </p:grpSpPr>
+      <p:sp>
+        <p:nvSpPr>
+          <p:cNvPr id="2" name="Titel 1"/>
+          <p:cNvSpPr>
+            <a:spLocks noGrp="1"/>
+          </p:cNvSpPr>
+          <p:nvPr>
+            <p:ph type="title"/>
+          </p:nvPr>
+        </p:nvSpPr>
+        <p:spPr/>
+        <p:txBody>
+          <a:bodyPr/>
+          <a:lstStyle/>
+          <a:p>
+            <a:r>
+              <a:rPr lang="de-DE" dirty="0" smtClean="0"/>
+              <a:t>Quellen</a:t>
+            </a:r>
+            <a:endParaRPr lang="de-DE" dirty="0"/>
+          </a:p>
+        </p:txBody>
+      </p:sp>
+      <p:sp>
+        <p:nvSpPr>
+          <p:cNvPr id="3" name="Inhaltsplatzhalter 2"/>
+          <p:cNvSpPr>
+            <a:spLocks noGrp="1"/>
+          </p:cNvSpPr>
+          <p:nvPr>
+            <p:ph idx="1"/>
+          </p:nvPr>
+        </p:nvSpPr>
+        <p:spPr>
+          <a:xfrm>
+            <a:off x="1015999" y="1825625"/>
+            <a:ext cx="10882351" cy="4363302"/>
+          </a:xfrm>
+        </p:spPr>
+        <p:txBody>
+          <a:bodyPr>
+            <a:normAutofit/>
+          </a:bodyPr>
+          <a:lstStyle/>
+          <a:p>
+            <a:r>
+              <a:rPr lang="de-DE" dirty="0" smtClean="0">
+                <a:hlinkClick r:id="rId3"/>
+              </a:rPr>
+              <a:t>http://img.archiexpo.de/images_ae/photo-g/49399-5297653.jpg</a:t>
+            </a:r>
+            <a:r>
+              <a:rPr lang="de-DE" dirty="0" smtClean="0"/>
+              <a:t> Drehkreuze</a:t>
+            </a:r>
+          </a:p>
+          <a:p>
+            <a:r>
+              <a:rPr lang="de-DE" dirty="0" smtClean="0">
+                <a:hlinkClick r:id="rId4"/>
+              </a:rPr>
+              <a:t>http://blog.webalytics.de/wp-content/uploads/2010/11/Fotolia_18687012_XS.jpg</a:t>
+            </a:r>
+            <a:r>
+              <a:rPr lang="de-DE" dirty="0" smtClean="0"/>
+              <a:t> Warteschlage</a:t>
+            </a:r>
+          </a:p>
+          <a:p>
+            <a:r>
+              <a:rPr lang="de-DE" dirty="0" smtClean="0">
+                <a:hlinkClick r:id="rId5"/>
+              </a:rPr>
+              <a:t>https://www.coasterfriends.de/forum/attachments/eure-tripreports-unsere-freude/181214d1369292403-lekker-achtbaane-4-phantasialand-img_0221.jpg</a:t>
+            </a:r>
+            <a:r>
+              <a:rPr lang="de-DE" dirty="0" smtClean="0"/>
+              <a:t> Wartebereich im </a:t>
+            </a:r>
+            <a:r>
+              <a:rPr lang="de-DE" dirty="0" err="1" smtClean="0"/>
+              <a:t>Colorade</a:t>
+            </a:r>
+            <a:r>
+              <a:rPr lang="de-DE" dirty="0" smtClean="0"/>
+              <a:t> Express</a:t>
+            </a:r>
+          </a:p>
+          <a:p>
+            <a:r>
+              <a:rPr lang="de-DE" dirty="0" smtClean="0">
+                <a:hlinkClick r:id="rId6"/>
+              </a:rPr>
+              <a:t>https://media.holidaycheck.com/data/urlaubsbilder/images/41/1158094241.jpg</a:t>
+            </a:r>
+            <a:r>
+              <a:rPr lang="de-DE" dirty="0" smtClean="0"/>
+              <a:t> </a:t>
+            </a:r>
+            <a:r>
+              <a:rPr lang="de-DE" dirty="0" err="1" smtClean="0"/>
+              <a:t>Talocan</a:t>
+            </a:r>
+            <a:endParaRPr lang="de-DE" dirty="0" smtClean="0"/>
+          </a:p>
+          <a:p>
+            <a:endParaRPr lang="de-DE" dirty="0"/>
+          </a:p>
+        </p:txBody>
+      </p:sp>
+    </p:spTree>
+    <p:extLst>
+      <p:ext uri="{BB962C8B-B14F-4D97-AF65-F5344CB8AC3E}">
+        <p14:creationId xmlns:p14="http://schemas.microsoft.com/office/powerpoint/2010/main" val="1765745890"/>
       </p:ext>
     </p:extLst>
   </p:cSld>
@@ -9975,8 +10128,8 @@
           </a:p>
         </p:txBody>
       </p:sp>
-      <mc:AlternateContent xmlns:mc="http://schemas.openxmlformats.org/markup-compatibility/2006">
-        <mc:Choice xmlns:a14="http://schemas.microsoft.com/office/drawing/2010/main" Requires="a14">
+      <mc:AlternateContent xmlns:mc="http://schemas.openxmlformats.org/markup-compatibility/2006" xmlns:a14="http://schemas.microsoft.com/office/drawing/2010/main">
+        <mc:Choice Requires="a14">
           <p:sp>
             <p:nvSpPr>
               <p:cNvPr id="3" name="Inhaltsplatzhalter 2"/>
@@ -10311,7 +10464,7 @@
             </p:txBody>
           </p:sp>
         </mc:Choice>
-        <mc:Fallback>
+        <mc:Fallback xmlns="">
           <p:sp>
             <p:nvSpPr>
               <p:cNvPr id="3" name="Inhaltsplatzhalter 2"/>
@@ -10698,8 +10851,8 @@
           </a:p>
         </p:txBody>
       </p:sp>
-      <mc:AlternateContent xmlns:mc="http://schemas.openxmlformats.org/markup-compatibility/2006">
-        <mc:Choice xmlns:a14="http://schemas.microsoft.com/office/drawing/2010/main" Requires="a14">
+      <mc:AlternateContent xmlns:mc="http://schemas.openxmlformats.org/markup-compatibility/2006" xmlns:a14="http://schemas.microsoft.com/office/drawing/2010/main">
+        <mc:Choice Requires="a14">
           <p:sp>
             <p:nvSpPr>
               <p:cNvPr id="3" name="Inhaltsplatzhalter 2"/>
@@ -10872,7 +11025,7 @@
             </p:txBody>
           </p:sp>
         </mc:Choice>
-        <mc:Fallback>
+        <mc:Fallback xmlns="">
           <p:sp>
             <p:nvSpPr>
               <p:cNvPr id="3" name="Inhaltsplatzhalter 2"/>
@@ -11043,7 +11196,7 @@
       </p:grpSpPr>
       <p:sp>
         <p:nvSpPr>
-          <p:cNvPr id="2" name="Titel 1"/>
+          <p:cNvPr id="4" name="Titel 3"/>
           <p:cNvSpPr>
             <a:spLocks noGrp="1"/>
           </p:cNvSpPr>
@@ -11058,116 +11211,250 @@
           <a:p>
             <a:r>
               <a:rPr lang="de-DE" dirty="0" smtClean="0"/>
-              <a:t>Quellen</a:t>
+              <a:t>Vielen Dank für Ihr Interesse</a:t>
             </a:r>
             <a:endParaRPr lang="de-DE" dirty="0"/>
           </a:p>
         </p:txBody>
       </p:sp>
-      <p:sp>
-        <p:nvSpPr>
-          <p:cNvPr id="3" name="Inhaltsplatzhalter 2"/>
-          <p:cNvSpPr>
-            <a:spLocks noGrp="1"/>
-          </p:cNvSpPr>
-          <p:nvPr>
-            <p:ph idx="1"/>
-          </p:nvPr>
-        </p:nvSpPr>
-        <p:spPr>
-          <a:xfrm>
-            <a:off x="1015999" y="1825625"/>
-            <a:ext cx="10882351" cy="4363302"/>
-          </a:xfrm>
-        </p:spPr>
-        <p:txBody>
-          <a:bodyPr>
-            <a:normAutofit/>
-          </a:bodyPr>
-          <a:lstStyle/>
-          <a:p>
-            <a:r>
-              <a:rPr lang="de-DE" dirty="0" smtClean="0">
-                <a:hlinkClick r:id="rId3"/>
-              </a:rPr>
-              <a:t>http://img.archiexpo.de/images_ae/photo-g/49399-5297653.jpg</a:t>
-            </a:r>
-            <a:r>
-              <a:rPr lang="de-DE" dirty="0" smtClean="0"/>
-              <a:t> Drehkreuze</a:t>
-            </a:r>
-          </a:p>
-          <a:p>
-            <a:r>
-              <a:rPr lang="de-DE" dirty="0" smtClean="0">
-                <a:hlinkClick r:id="rId4"/>
-              </a:rPr>
-              <a:t>http://blog.webalytics.de/wp-content/uploads/2010/11/Fotolia_18687012_XS.jpg</a:t>
-            </a:r>
-            <a:r>
-              <a:rPr lang="de-DE" dirty="0" smtClean="0"/>
-              <a:t> Warteschlage</a:t>
-            </a:r>
-          </a:p>
-          <a:p>
-            <a:r>
-              <a:rPr lang="de-DE" dirty="0" smtClean="0">
-                <a:hlinkClick r:id="rId5"/>
-              </a:rPr>
-              <a:t>https://www.coasterfriends.de/forum/attachments/eure-tripreports-unsere-freude/181214d1369292403-lekker-achtbaane-4-phantasialand-img_0221.jpg</a:t>
-            </a:r>
-            <a:r>
-              <a:rPr lang="de-DE" dirty="0" smtClean="0"/>
-              <a:t> Wartebereich im </a:t>
-            </a:r>
-            <a:r>
-              <a:rPr lang="de-DE" dirty="0" err="1" smtClean="0"/>
-              <a:t>Colorade</a:t>
-            </a:r>
-            <a:r>
-              <a:rPr lang="de-DE" dirty="0" smtClean="0"/>
-              <a:t> Express</a:t>
-            </a:r>
-          </a:p>
-          <a:p>
-            <a:r>
-              <a:rPr lang="de-DE" dirty="0" smtClean="0">
-                <a:hlinkClick r:id="rId6"/>
-              </a:rPr>
-              <a:t>https://media.holidaycheck.com/data/urlaubsbilder/images/41/1158094241.jpg</a:t>
-            </a:r>
-            <a:r>
-              <a:rPr lang="de-DE" dirty="0" smtClean="0"/>
-              <a:t> </a:t>
-            </a:r>
-            <a:r>
-              <a:rPr lang="de-DE" dirty="0" err="1" smtClean="0"/>
-              <a:t>Talocan</a:t>
-            </a:r>
-            <a:endParaRPr lang="de-DE" dirty="0" smtClean="0"/>
-          </a:p>
-          <a:p>
-            <a:endParaRPr lang="de-DE" dirty="0"/>
-          </a:p>
-        </p:txBody>
-      </p:sp>
+      <mc:AlternateContent xmlns:mc="http://schemas.openxmlformats.org/markup-compatibility/2006">
+        <mc:Choice xmlns:a14="http://schemas.microsoft.com/office/drawing/2010/main" Requires="a14">
+          <p:sp>
+            <p:nvSpPr>
+              <p:cNvPr id="5" name="Textplatzhalter 4"/>
+              <p:cNvSpPr>
+                <a:spLocks noGrp="1"/>
+              </p:cNvSpPr>
+              <p:nvPr>
+                <p:ph type="body" idx="1"/>
+              </p:nvPr>
+            </p:nvSpPr>
+            <p:spPr/>
+            <p:txBody>
+              <a:bodyPr/>
+              <a:lstStyle/>
+              <a:p>
+                <a:pPr/>
+                <a14:m>
+                  <m:oMathPara xmlns:m="http://schemas.openxmlformats.org/officeDocument/2006/math">
+                    <m:oMathParaPr>
+                      <m:jc m:val="centerGroup"/>
+                    </m:oMathParaPr>
+                    <m:oMath xmlns:m="http://schemas.openxmlformats.org/officeDocument/2006/math">
+                      <m:r>
+                        <a:rPr lang="de-DE" sz="4000" b="0" i="1" smtClean="0">
+                          <a:solidFill>
+                            <a:srgbClr val="77AABB"/>
+                          </a:solidFill>
+                          <a:latin typeface="Cambria Math" charset="0"/>
+                        </a:rPr>
+                        <m:t>𝑦</m:t>
+                      </m:r>
+                      <m:r>
+                        <a:rPr lang="de-DE" sz="4000" b="0" i="1" smtClean="0">
+                          <a:solidFill>
+                            <a:srgbClr val="77AABB"/>
+                          </a:solidFill>
+                          <a:latin typeface="Cambria Math" charset="0"/>
+                        </a:rPr>
+                        <m:t>=</m:t>
+                      </m:r>
+                      <m:f>
+                        <m:fPr>
+                          <m:ctrlPr>
+                            <a:rPr lang="de-DE" sz="4000" b="0" i="1" smtClean="0">
+                              <a:solidFill>
+                                <a:srgbClr val="77AABB"/>
+                              </a:solidFill>
+                              <a:latin typeface="Cambria Math" charset="0"/>
+                            </a:rPr>
+                          </m:ctrlPr>
+                        </m:fPr>
+                        <m:num>
+                          <m:func>
+                            <m:funcPr>
+                              <m:ctrlPr>
+                                <a:rPr lang="de-DE" sz="4000" b="0" i="1" smtClean="0">
+                                  <a:solidFill>
+                                    <a:srgbClr val="77AABB"/>
+                                  </a:solidFill>
+                                  <a:latin typeface="Cambria Math" charset="0"/>
+                                </a:rPr>
+                              </m:ctrlPr>
+                            </m:funcPr>
+                            <m:fName>
+                              <m:r>
+                                <m:rPr>
+                                  <m:sty m:val="p"/>
+                                </m:rPr>
+                                <a:rPr lang="de-DE" sz="4000" b="0" i="0" smtClean="0">
+                                  <a:solidFill>
+                                    <a:srgbClr val="77AABB"/>
+                                  </a:solidFill>
+                                  <a:latin typeface="Cambria Math" charset="0"/>
+                                </a:rPr>
+                                <m:t>ln</m:t>
+                              </m:r>
+                            </m:fName>
+                            <m:e>
+                              <m:d>
+                                <m:dPr>
+                                  <m:ctrlPr>
+                                    <a:rPr lang="de-DE" sz="4000" b="0" i="1" smtClean="0">
+                                      <a:solidFill>
+                                        <a:srgbClr val="77AABB"/>
+                                      </a:solidFill>
+                                      <a:latin typeface="Cambria Math" charset="0"/>
+                                    </a:rPr>
+                                  </m:ctrlPr>
+                                </m:dPr>
+                                <m:e>
+                                  <m:f>
+                                    <m:fPr>
+                                      <m:ctrlPr>
+                                        <a:rPr lang="de-DE" sz="4000" b="0" i="1" smtClean="0">
+                                          <a:solidFill>
+                                            <a:srgbClr val="77AABB"/>
+                                          </a:solidFill>
+                                          <a:latin typeface="Cambria Math" charset="0"/>
+                                        </a:rPr>
+                                      </m:ctrlPr>
+                                    </m:fPr>
+                                    <m:num>
+                                      <m:r>
+                                        <a:rPr lang="de-DE" sz="4000" b="0" i="1" smtClean="0">
+                                          <a:solidFill>
+                                            <a:srgbClr val="77AABB"/>
+                                          </a:solidFill>
+                                          <a:latin typeface="Cambria Math" charset="0"/>
+                                        </a:rPr>
+                                        <m:t>𝑥</m:t>
+                                      </m:r>
+                                    </m:num>
+                                    <m:den>
+                                      <m:r>
+                                        <a:rPr lang="de-DE" sz="4000" b="0" i="1" smtClean="0">
+                                          <a:solidFill>
+                                            <a:srgbClr val="77AABB"/>
+                                          </a:solidFill>
+                                          <a:latin typeface="Cambria Math" charset="0"/>
+                                        </a:rPr>
+                                        <m:t>𝑚</m:t>
+                                      </m:r>
+                                    </m:den>
+                                  </m:f>
+                                  <m:r>
+                                    <a:rPr lang="de-DE" sz="4000" b="0" i="1" smtClean="0">
+                                      <a:solidFill>
+                                        <a:srgbClr val="77AABB"/>
+                                      </a:solidFill>
+                                      <a:latin typeface="Cambria Math" charset="0"/>
+                                    </a:rPr>
+                                    <m:t>−</m:t>
+                                  </m:r>
+                                  <m:r>
+                                    <a:rPr lang="de-DE" sz="4000" b="0" i="1" smtClean="0">
+                                      <a:solidFill>
+                                        <a:srgbClr val="77AABB"/>
+                                      </a:solidFill>
+                                      <a:latin typeface="Cambria Math" charset="0"/>
+                                    </a:rPr>
+                                    <m:t>𝑠𝑎</m:t>
+                                  </m:r>
+                                </m:e>
+                              </m:d>
+                            </m:e>
+                          </m:func>
+                        </m:num>
+                        <m:den>
+                          <m:sSup>
+                            <m:sSupPr>
+                              <m:ctrlPr>
+                                <a:rPr lang="de-DE" sz="4000" b="0" i="1" smtClean="0">
+                                  <a:solidFill>
+                                    <a:srgbClr val="77AABB"/>
+                                  </a:solidFill>
+                                  <a:latin typeface="Cambria Math" charset="0"/>
+                                </a:rPr>
+                              </m:ctrlPr>
+                            </m:sSupPr>
+                            <m:e>
+                              <m:r>
+                                <a:rPr lang="de-DE" sz="4000" b="0" i="1" smtClean="0">
+                                  <a:solidFill>
+                                    <a:srgbClr val="77AABB"/>
+                                  </a:solidFill>
+                                  <a:latin typeface="Cambria Math" charset="0"/>
+                                </a:rPr>
+                                <m:t>𝑟</m:t>
+                              </m:r>
+                            </m:e>
+                            <m:sup>
+                              <m:r>
+                                <a:rPr lang="de-DE" sz="4000" b="0" i="1" smtClean="0">
+                                  <a:solidFill>
+                                    <a:srgbClr val="77AABB"/>
+                                  </a:solidFill>
+                                  <a:latin typeface="Cambria Math" charset="0"/>
+                                </a:rPr>
+                                <m:t>2</m:t>
+                              </m:r>
+                            </m:sup>
+                          </m:sSup>
+                        </m:den>
+                      </m:f>
+                    </m:oMath>
+                  </m:oMathPara>
+                </a14:m>
+                <a:endParaRPr lang="de-DE" dirty="0"/>
+              </a:p>
+            </p:txBody>
+          </p:sp>
+        </mc:Choice>
+        <mc:Fallback>
+          <p:sp>
+            <p:nvSpPr>
+              <p:cNvPr id="5" name="Textplatzhalter 4"/>
+              <p:cNvSpPr>
+                <a:spLocks noGrp="1" noRot="1" noChangeAspect="1" noMove="1" noResize="1" noEditPoints="1" noAdjustHandles="1" noChangeArrowheads="1" noChangeShapeType="1" noTextEdit="1"/>
+              </p:cNvSpPr>
+              <p:nvPr>
+                <p:ph type="body" idx="1"/>
+              </p:nvPr>
+            </p:nvSpPr>
+            <p:spPr>
+              <a:blipFill rotWithShape="0">
+                <a:blip r:embed="rId2"/>
+                <a:stretch>
+                  <a:fillRect t="-1220"/>
+                </a:stretch>
+              </a:blipFill>
+            </p:spPr>
+            <p:txBody>
+              <a:bodyPr/>
+              <a:lstStyle/>
+              <a:p>
+                <a:r>
+                  <a:rPr lang="de-DE">
+                    <a:noFill/>
+                  </a:rPr>
+                  <a:t> </a:t>
+                </a:r>
+              </a:p>
+            </p:txBody>
+          </p:sp>
+        </mc:Fallback>
+      </mc:AlternateContent>
     </p:spTree>
     <p:extLst>
       <p:ext uri="{BB962C8B-B14F-4D97-AF65-F5344CB8AC3E}">
-        <p14:creationId xmlns:p14="http://schemas.microsoft.com/office/powerpoint/2010/main" val="1765745890"/>
+        <p14:creationId xmlns:p14="http://schemas.microsoft.com/office/powerpoint/2010/main" val="1407769122"/>
       </p:ext>
     </p:extLst>
   </p:cSld>
   <p:clrMapOvr>
     <a:masterClrMapping/>
   </p:clrMapOvr>
-  <p:timing>
-    <p:tnLst>
-      <p:par>
-        <p:cTn id="1" dur="indefinite" restart="never" nodeType="tmRoot"/>
-      </p:par>
-    </p:tnLst>
-  </p:timing>
 </p:sld>
 </file>
 
